--- a/Fagtekster/Illustrasjoner/tankmodeller.pptx
+++ b/Fagtekster/Illustrasjoner/tankmodeller.pptx
@@ -6,8 +6,9 @@
   </p:sldMasterIdLst>
   <p:sldIdLst>
     <p:sldId id="256" r:id="rId2"/>
-    <p:sldId id="257" r:id="rId3"/>
-    <p:sldId id="258" r:id="rId4"/>
+    <p:sldId id="259" r:id="rId3"/>
+    <p:sldId id="257" r:id="rId4"/>
+    <p:sldId id="258" r:id="rId5"/>
   </p:sldIdLst>
   <p:sldSz cx="12192000" cy="6858000"/>
   <p:notesSz cx="6858000" cy="9144000"/>
@@ -245,7 +246,7 @@
           <a:p>
             <a:fld id="{68AFD362-A73F-9342-8E25-D2CF56234776}" type="datetimeFigureOut">
               <a:rPr lang="nb-NO" smtClean="0"/>
-              <a:t>28.06.2017</a:t>
+              <a:t>30.06.2017</a:t>
             </a:fld>
             <a:endParaRPr lang="nb-NO"/>
           </a:p>
@@ -415,7 +416,7 @@
           <a:p>
             <a:fld id="{68AFD362-A73F-9342-8E25-D2CF56234776}" type="datetimeFigureOut">
               <a:rPr lang="nb-NO" smtClean="0"/>
-              <a:t>28.06.2017</a:t>
+              <a:t>30.06.2017</a:t>
             </a:fld>
             <a:endParaRPr lang="nb-NO"/>
           </a:p>
@@ -595,7 +596,7 @@
           <a:p>
             <a:fld id="{68AFD362-A73F-9342-8E25-D2CF56234776}" type="datetimeFigureOut">
               <a:rPr lang="nb-NO" smtClean="0"/>
-              <a:t>28.06.2017</a:t>
+              <a:t>30.06.2017</a:t>
             </a:fld>
             <a:endParaRPr lang="nb-NO"/>
           </a:p>
@@ -765,7 +766,7 @@
           <a:p>
             <a:fld id="{68AFD362-A73F-9342-8E25-D2CF56234776}" type="datetimeFigureOut">
               <a:rPr lang="nb-NO" smtClean="0"/>
-              <a:t>28.06.2017</a:t>
+              <a:t>30.06.2017</a:t>
             </a:fld>
             <a:endParaRPr lang="nb-NO"/>
           </a:p>
@@ -1011,7 +1012,7 @@
           <a:p>
             <a:fld id="{68AFD362-A73F-9342-8E25-D2CF56234776}" type="datetimeFigureOut">
               <a:rPr lang="nb-NO" smtClean="0"/>
-              <a:t>28.06.2017</a:t>
+              <a:t>30.06.2017</a:t>
             </a:fld>
             <a:endParaRPr lang="nb-NO"/>
           </a:p>
@@ -1243,7 +1244,7 @@
           <a:p>
             <a:fld id="{68AFD362-A73F-9342-8E25-D2CF56234776}" type="datetimeFigureOut">
               <a:rPr lang="nb-NO" smtClean="0"/>
-              <a:t>28.06.2017</a:t>
+              <a:t>30.06.2017</a:t>
             </a:fld>
             <a:endParaRPr lang="nb-NO"/>
           </a:p>
@@ -1610,7 +1611,7 @@
           <a:p>
             <a:fld id="{68AFD362-A73F-9342-8E25-D2CF56234776}" type="datetimeFigureOut">
               <a:rPr lang="nb-NO" smtClean="0"/>
-              <a:t>28.06.2017</a:t>
+              <a:t>30.06.2017</a:t>
             </a:fld>
             <a:endParaRPr lang="nb-NO"/>
           </a:p>
@@ -1728,7 +1729,7 @@
           <a:p>
             <a:fld id="{68AFD362-A73F-9342-8E25-D2CF56234776}" type="datetimeFigureOut">
               <a:rPr lang="nb-NO" smtClean="0"/>
-              <a:t>28.06.2017</a:t>
+              <a:t>30.06.2017</a:t>
             </a:fld>
             <a:endParaRPr lang="nb-NO"/>
           </a:p>
@@ -1823,7 +1824,7 @@
           <a:p>
             <a:fld id="{68AFD362-A73F-9342-8E25-D2CF56234776}" type="datetimeFigureOut">
               <a:rPr lang="nb-NO" smtClean="0"/>
-              <a:t>28.06.2017</a:t>
+              <a:t>30.06.2017</a:t>
             </a:fld>
             <a:endParaRPr lang="nb-NO"/>
           </a:p>
@@ -2100,7 +2101,7 @@
           <a:p>
             <a:fld id="{68AFD362-A73F-9342-8E25-D2CF56234776}" type="datetimeFigureOut">
               <a:rPr lang="nb-NO" smtClean="0"/>
-              <a:t>28.06.2017</a:t>
+              <a:t>30.06.2017</a:t>
             </a:fld>
             <a:endParaRPr lang="nb-NO"/>
           </a:p>
@@ -2353,7 +2354,7 @@
           <a:p>
             <a:fld id="{68AFD362-A73F-9342-8E25-D2CF56234776}" type="datetimeFigureOut">
               <a:rPr lang="nb-NO" smtClean="0"/>
-              <a:t>28.06.2017</a:t>
+              <a:t>30.06.2017</a:t>
             </a:fld>
             <a:endParaRPr lang="nb-NO"/>
           </a:p>
@@ -2566,7 +2567,7 @@
           <a:p>
             <a:fld id="{68AFD362-A73F-9342-8E25-D2CF56234776}" type="datetimeFigureOut">
               <a:rPr lang="nb-NO" smtClean="0"/>
-              <a:t>28.06.2017</a:t>
+              <a:t>30.06.2017</a:t>
             </a:fld>
             <a:endParaRPr lang="nb-NO"/>
           </a:p>
@@ -2971,6 +2972,309 @@
           <a:chExt cx="0" cy="0"/>
         </a:xfrm>
       </p:grpSpPr>
+      <p:cxnSp>
+        <p:nvCxnSpPr>
+          <p:cNvPr id="10" name="Rett pil 9"/>
+          <p:cNvCxnSpPr/>
+          <p:nvPr/>
+        </p:nvCxnSpPr>
+        <p:spPr>
+          <a:xfrm>
+            <a:off x="4840896" y="2641600"/>
+            <a:ext cx="0" cy="1776020"/>
+          </a:xfrm>
+          <a:prstGeom prst="straightConnector1">
+            <a:avLst/>
+          </a:prstGeom>
+          <a:ln>
+            <a:headEnd type="triangle"/>
+            <a:tailEnd type="triangle"/>
+          </a:ln>
+        </p:spPr>
+        <p:style>
+          <a:lnRef idx="1">
+            <a:schemeClr val="accent1"/>
+          </a:lnRef>
+          <a:fillRef idx="0">
+            <a:schemeClr val="accent1"/>
+          </a:fillRef>
+          <a:effectRef idx="0">
+            <a:schemeClr val="accent1"/>
+          </a:effectRef>
+          <a:fontRef idx="minor">
+            <a:schemeClr val="tx1"/>
+          </a:fontRef>
+        </p:style>
+      </p:cxnSp>
+      <p:sp>
+        <p:nvSpPr>
+          <p:cNvPr id="11" name="TekstSylinder 10"/>
+          <p:cNvSpPr txBox="1"/>
+          <p:nvPr/>
+        </p:nvSpPr>
+        <p:spPr>
+          <a:xfrm>
+            <a:off x="4545125" y="3227927"/>
+            <a:ext cx="346570" cy="461665"/>
+          </a:xfrm>
+          <a:prstGeom prst="rect">
+            <a:avLst/>
+          </a:prstGeom>
+          <a:noFill/>
+        </p:spPr>
+        <p:txBody>
+          <a:bodyPr wrap="none" rtlCol="0">
+            <a:spAutoFit/>
+          </a:bodyPr>
+          <a:lstStyle/>
+          <a:p>
+            <a:r>
+              <a:rPr lang="nb-NO" sz="2400" dirty="0" smtClean="0">
+                <a:solidFill>
+                  <a:schemeClr val="accent1"/>
+                </a:solidFill>
+              </a:rPr>
+              <a:t>h</a:t>
+            </a:r>
+            <a:endParaRPr lang="nb-NO" sz="2400" dirty="0">
+              <a:solidFill>
+                <a:schemeClr val="accent1"/>
+              </a:solidFill>
+            </a:endParaRPr>
+          </a:p>
+        </p:txBody>
+      </p:sp>
+      <p:sp>
+        <p:nvSpPr>
+          <p:cNvPr id="16" name="Sylinder 15"/>
+          <p:cNvSpPr/>
+          <p:nvPr/>
+        </p:nvSpPr>
+        <p:spPr>
+          <a:xfrm>
+            <a:off x="5080000" y="1845733"/>
+            <a:ext cx="1794934" cy="2865987"/>
+          </a:xfrm>
+          <a:prstGeom prst="can">
+            <a:avLst/>
+          </a:prstGeom>
+          <a:solidFill>
+            <a:schemeClr val="bg2"/>
+          </a:solidFill>
+        </p:spPr>
+        <p:style>
+          <a:lnRef idx="2">
+            <a:schemeClr val="accent1">
+              <a:shade val="50000"/>
+            </a:schemeClr>
+          </a:lnRef>
+          <a:fillRef idx="1">
+            <a:schemeClr val="accent1"/>
+          </a:fillRef>
+          <a:effectRef idx="0">
+            <a:schemeClr val="accent1"/>
+          </a:effectRef>
+          <a:fontRef idx="minor">
+            <a:schemeClr val="lt1"/>
+          </a:fontRef>
+        </p:style>
+        <p:txBody>
+          <a:bodyPr rtlCol="0" anchor="ctr"/>
+          <a:lstStyle/>
+          <a:p>
+            <a:pPr algn="ctr"/>
+            <a:endParaRPr lang="nb-NO"/>
+          </a:p>
+        </p:txBody>
+      </p:sp>
+      <p:sp>
+        <p:nvSpPr>
+          <p:cNvPr id="17" name="Sylinder 16"/>
+          <p:cNvSpPr/>
+          <p:nvPr/>
+        </p:nvSpPr>
+        <p:spPr>
+          <a:xfrm>
+            <a:off x="5080003" y="2402562"/>
+            <a:ext cx="1794934" cy="2309161"/>
+          </a:xfrm>
+          <a:prstGeom prst="can">
+            <a:avLst/>
+          </a:prstGeom>
+        </p:spPr>
+        <p:style>
+          <a:lnRef idx="2">
+            <a:schemeClr val="accent1">
+              <a:shade val="50000"/>
+            </a:schemeClr>
+          </a:lnRef>
+          <a:fillRef idx="1">
+            <a:schemeClr val="accent1"/>
+          </a:fillRef>
+          <a:effectRef idx="0">
+            <a:schemeClr val="accent1"/>
+          </a:effectRef>
+          <a:fontRef idx="minor">
+            <a:schemeClr val="lt1"/>
+          </a:fontRef>
+        </p:style>
+        <p:txBody>
+          <a:bodyPr rtlCol="0" anchor="ctr"/>
+          <a:lstStyle/>
+          <a:p>
+            <a:pPr algn="ctr"/>
+            <a:endParaRPr lang="nb-NO"/>
+          </a:p>
+        </p:txBody>
+      </p:sp>
+      <p:sp>
+        <p:nvSpPr>
+          <p:cNvPr id="22" name="TekstSylinder 21"/>
+          <p:cNvSpPr txBox="1"/>
+          <p:nvPr/>
+        </p:nvSpPr>
+        <p:spPr>
+          <a:xfrm>
+            <a:off x="5808126" y="1842295"/>
+            <a:ext cx="447558" cy="461665"/>
+          </a:xfrm>
+          <a:prstGeom prst="rect">
+            <a:avLst/>
+          </a:prstGeom>
+          <a:noFill/>
+        </p:spPr>
+        <p:txBody>
+          <a:bodyPr wrap="none" rtlCol="0">
+            <a:spAutoFit/>
+          </a:bodyPr>
+          <a:lstStyle/>
+          <a:p>
+            <a:r>
+              <a:rPr lang="nb-NO" sz="2400" dirty="0" smtClean="0"/>
+              <a:t>P</a:t>
+            </a:r>
+            <a:r>
+              <a:rPr lang="nb-NO" sz="2400" baseline="-25000" dirty="0" smtClean="0"/>
+              <a:t>1</a:t>
+            </a:r>
+            <a:endParaRPr lang="nb-NO" sz="2400" baseline="-25000" dirty="0"/>
+          </a:p>
+        </p:txBody>
+      </p:sp>
+      <p:sp>
+        <p:nvSpPr>
+          <p:cNvPr id="13" name="TekstSylinder 12"/>
+          <p:cNvSpPr txBox="1"/>
+          <p:nvPr/>
+        </p:nvSpPr>
+        <p:spPr>
+          <a:xfrm>
+            <a:off x="5845950" y="4186788"/>
+            <a:ext cx="447558" cy="461665"/>
+          </a:xfrm>
+          <a:prstGeom prst="rect">
+            <a:avLst/>
+          </a:prstGeom>
+          <a:noFill/>
+        </p:spPr>
+        <p:txBody>
+          <a:bodyPr wrap="none" rtlCol="0">
+            <a:spAutoFit/>
+          </a:bodyPr>
+          <a:lstStyle/>
+          <a:p>
+            <a:r>
+              <a:rPr lang="nb-NO" sz="2400" dirty="0" smtClean="0">
+                <a:solidFill>
+                  <a:schemeClr val="bg1"/>
+                </a:solidFill>
+              </a:rPr>
+              <a:t>P</a:t>
+            </a:r>
+            <a:r>
+              <a:rPr lang="nb-NO" sz="2400" baseline="-25000" dirty="0">
+                <a:solidFill>
+                  <a:schemeClr val="bg1"/>
+                </a:solidFill>
+              </a:rPr>
+              <a:t>2</a:t>
+            </a:r>
+            <a:endParaRPr lang="nb-NO" sz="2400" baseline="-25000" dirty="0">
+              <a:solidFill>
+                <a:schemeClr val="bg1"/>
+              </a:solidFill>
+            </a:endParaRPr>
+          </a:p>
+        </p:txBody>
+      </p:sp>
+      <p:sp>
+        <p:nvSpPr>
+          <p:cNvPr id="14" name="TekstSylinder 13"/>
+          <p:cNvSpPr txBox="1"/>
+          <p:nvPr/>
+        </p:nvSpPr>
+        <p:spPr>
+          <a:xfrm>
+            <a:off x="5357083" y="3234785"/>
+            <a:ext cx="341760" cy="461665"/>
+          </a:xfrm>
+          <a:prstGeom prst="rect">
+            <a:avLst/>
+          </a:prstGeom>
+          <a:noFill/>
+        </p:spPr>
+        <p:txBody>
+          <a:bodyPr wrap="none" rtlCol="0">
+            <a:spAutoFit/>
+          </a:bodyPr>
+          <a:lstStyle/>
+          <a:p>
+            <a:r>
+              <a:rPr lang="nb-NO" sz="2400" dirty="0" err="1" smtClean="0">
+                <a:solidFill>
+                  <a:schemeClr val="bg1"/>
+                </a:solidFill>
+              </a:rPr>
+              <a:t>ρ</a:t>
+            </a:r>
+            <a:endParaRPr lang="nb-NO" sz="2400" dirty="0">
+              <a:solidFill>
+                <a:schemeClr val="bg1"/>
+              </a:solidFill>
+            </a:endParaRPr>
+          </a:p>
+        </p:txBody>
+      </p:sp>
+    </p:spTree>
+    <p:extLst>
+      <p:ext uri="{BB962C8B-B14F-4D97-AF65-F5344CB8AC3E}">
+        <p14:creationId xmlns:p14="http://schemas.microsoft.com/office/powerpoint/2010/main" val="76914611"/>
+      </p:ext>
+    </p:extLst>
+  </p:cSld>
+  <p:clrMapOvr>
+    <a:masterClrMapping/>
+  </p:clrMapOvr>
+</p:sld>
+</file>
+
+<file path=ppt/slides/slide2.xml><?xml version="1.0" encoding="utf-8"?>
+<p:sld xmlns:a="http://schemas.openxmlformats.org/drawingml/2006/main" xmlns:r="http://schemas.openxmlformats.org/officeDocument/2006/relationships" xmlns:p="http://schemas.openxmlformats.org/presentationml/2006/main">
+  <p:cSld>
+    <p:spTree>
+      <p:nvGrpSpPr>
+        <p:cNvPr id="1" name=""/>
+        <p:cNvGrpSpPr/>
+        <p:nvPr/>
+      </p:nvGrpSpPr>
+      <p:grpSpPr>
+        <a:xfrm>
+          <a:off x="0" y="0"/>
+          <a:ext cx="0" cy="0"/>
+          <a:chOff x="0" y="0"/>
+          <a:chExt cx="0" cy="0"/>
+        </a:xfrm>
+      </p:grpSpPr>
       <p:grpSp>
         <p:nvGrpSpPr>
           <p:cNvPr id="24" name="Gruppe 23"/>
@@ -3362,7 +3666,7 @@
     </p:spTree>
     <p:extLst>
       <p:ext uri="{BB962C8B-B14F-4D97-AF65-F5344CB8AC3E}">
-        <p14:creationId xmlns:p14="http://schemas.microsoft.com/office/powerpoint/2010/main" val="76914611"/>
+        <p14:creationId xmlns:p14="http://schemas.microsoft.com/office/powerpoint/2010/main" val="1148139888"/>
       </p:ext>
     </p:extLst>
   </p:cSld>
@@ -3372,7 +3676,7 @@
 </p:sld>
 </file>
 
-<file path=ppt/slides/slide2.xml><?xml version="1.0" encoding="utf-8"?>
+<file path=ppt/slides/slide3.xml><?xml version="1.0" encoding="utf-8"?>
 <p:sld xmlns:a="http://schemas.openxmlformats.org/drawingml/2006/main" xmlns:r="http://schemas.openxmlformats.org/officeDocument/2006/relationships" xmlns:p="http://schemas.openxmlformats.org/presentationml/2006/main">
   <p:cSld>
     <p:spTree>
@@ -3869,7 +4173,7 @@
 </p:sld>
 </file>
 
-<file path=ppt/slides/slide3.xml><?xml version="1.0" encoding="utf-8"?>
+<file path=ppt/slides/slide4.xml><?xml version="1.0" encoding="utf-8"?>
 <p:sld xmlns:a="http://schemas.openxmlformats.org/drawingml/2006/main" xmlns:r="http://schemas.openxmlformats.org/officeDocument/2006/relationships" xmlns:p="http://schemas.openxmlformats.org/presentationml/2006/main">
   <p:cSld>
     <p:spTree>
